--- a/CS488 Final Report.pptx
+++ b/CS488 Final Report.pptx
@@ -234,7 +234,7 @@
           <a:p>
             <a:fld id="{043B725B-653D-4166-A8E9-72A38A1847CF}" type="datetimeFigureOut">
               <a:rPr lang="en-US"/>
-              <a:t>11/27/2019</a:t>
+              <a:t>11/29/19</a:t>
             </a:fld>
             <a:endParaRPr/>
           </a:p>
@@ -399,7 +399,7 @@
           <a:p>
             <a:fld id="{783F64CD-0576-4A9A-BD06-7889D6E60BDC}" type="datetimeFigureOut">
               <a:rPr lang="en-US"/>
-              <a:t>11/27/2019</a:t>
+              <a:t>11/29/19</a:t>
             </a:fld>
             <a:endParaRPr/>
           </a:p>
@@ -1223,7 +1223,7 @@
           <a:p>
             <a:fld id="{37CC0096-1860-4642-9CD2-0079EA5E7CD1}" type="datetimeFigureOut">
               <a:rPr lang="en-US"/>
-              <a:t>11/27/2019</a:t>
+              <a:t>11/29/19</a:t>
             </a:fld>
             <a:endParaRPr/>
           </a:p>
@@ -1472,7 +1472,7 @@
           <a:p>
             <a:fld id="{37CC0096-1860-4642-9CD2-0079EA5E7CD1}" type="datetimeFigureOut">
               <a:rPr lang="en-US"/>
-              <a:t>11/27/2019</a:t>
+              <a:t>11/29/19</a:t>
             </a:fld>
             <a:endParaRPr/>
           </a:p>
@@ -1658,7 +1658,7 @@
           <a:p>
             <a:fld id="{37CC0096-1860-4642-9CD2-0079EA5E7CD1}" type="datetimeFigureOut">
               <a:rPr lang="en-US"/>
-              <a:t>11/27/2019</a:t>
+              <a:t>11/29/19</a:t>
             </a:fld>
             <a:endParaRPr/>
           </a:p>
@@ -2189,7 +2189,7 @@
           <a:p>
             <a:fld id="{37CC0096-1860-4642-9CD2-0079EA5E7CD1}" type="datetimeFigureOut">
               <a:rPr lang="en-US"/>
-              <a:t>11/27/2019</a:t>
+              <a:t>11/29/19</a:t>
             </a:fld>
             <a:endParaRPr/>
           </a:p>
@@ -2641,7 +2641,7 @@
           <a:p>
             <a:fld id="{37CC0096-1860-4642-9CD2-0079EA5E7CD1}" type="datetimeFigureOut">
               <a:rPr lang="en-US"/>
-              <a:t>11/27/2019</a:t>
+              <a:t>11/29/19</a:t>
             </a:fld>
             <a:endParaRPr/>
           </a:p>
@@ -2771,7 +2771,7 @@
           <a:p>
             <a:fld id="{37CC0096-1860-4642-9CD2-0079EA5E7CD1}" type="datetimeFigureOut">
               <a:rPr lang="en-US"/>
-              <a:t>11/27/2019</a:t>
+              <a:t>11/29/19</a:t>
             </a:fld>
             <a:endParaRPr/>
           </a:p>
@@ -2878,7 +2878,7 @@
           <a:p>
             <a:fld id="{37CC0096-1860-4642-9CD2-0079EA5E7CD1}" type="datetimeFigureOut">
               <a:rPr lang="en-US"/>
-              <a:t>11/27/2019</a:t>
+              <a:t>11/29/19</a:t>
             </a:fld>
             <a:endParaRPr/>
           </a:p>
@@ -3867,7 +3867,7 @@
             <a:fld id="{37CC0096-1860-4642-9CD2-0079EA5E7CD1}" type="datetimeFigureOut">
               <a:rPr lang="en-US" smtClean="0"/>
               <a:pPr/>
-              <a:t>11/27/2019</a:t>
+              <a:t>11/29/19</a:t>
             </a:fld>
             <a:endParaRPr lang="en-US" dirty="0"/>
           </a:p>
@@ -5140,8 +5140,8 @@
         </p:blipFill>
         <p:spPr bwMode="auto">
           <a:xfrm>
-            <a:off x="1" y="800696"/>
-            <a:ext cx="7008810" cy="5256607"/>
+            <a:off x="1" y="1092729"/>
+            <a:ext cx="7008810" cy="4672540"/>
           </a:xfrm>
           <a:prstGeom prst="rect">
             <a:avLst/>
@@ -5149,15 +5149,7 @@
           <a:solidFill>
             <a:srgbClr val="FFFFFF"/>
           </a:solidFill>
-          <a:extLst>
-            <a:ext uri="{909E8E84-426E-40DD-AFC4-6F175D3DCCD1}">
-              <a14:hiddenFill xmlns:a14="http://schemas.microsoft.com/office/drawing/2010/main">
-                <a:solidFill>
-                  <a:srgbClr val="FFFFFF"/>
-                </a:solidFill>
-              </a14:hiddenFill>
-            </a:ext>
-          </a:extLst>
+          <a:extLst/>
         </p:spPr>
       </p:pic>
       <p:sp>
@@ -5334,8 +5326,8 @@
         </p:blipFill>
         <p:spPr bwMode="auto">
           <a:xfrm>
-            <a:off x="1" y="800696"/>
-            <a:ext cx="7008810" cy="5256607"/>
+            <a:off x="1" y="1092729"/>
+            <a:ext cx="7008810" cy="4672540"/>
           </a:xfrm>
           <a:prstGeom prst="rect">
             <a:avLst/>
@@ -5526,8 +5518,8 @@
         </p:blipFill>
         <p:spPr bwMode="auto">
           <a:xfrm>
-            <a:off x="1" y="1089809"/>
-            <a:ext cx="7008810" cy="4678380"/>
+            <a:off x="1" y="1092729"/>
+            <a:ext cx="7008810" cy="4672540"/>
           </a:xfrm>
           <a:prstGeom prst="rect">
             <a:avLst/>
@@ -5535,15 +5527,7 @@
           <a:solidFill>
             <a:srgbClr val="FFFFFF"/>
           </a:solidFill>
-          <a:extLst>
-            <a:ext uri="{909E8E84-426E-40DD-AFC4-6F175D3DCCD1}">
-              <a14:hiddenFill xmlns:a14="http://schemas.microsoft.com/office/drawing/2010/main">
-                <a:solidFill>
-                  <a:srgbClr val="FFFFFF"/>
-                </a:solidFill>
-              </a14:hiddenFill>
-            </a:ext>
-          </a:extLst>
+          <a:extLst/>
         </p:spPr>
       </p:pic>
       <p:sp>
@@ -5720,8 +5704,8 @@
         </p:blipFill>
         <p:spPr bwMode="auto">
           <a:xfrm>
-            <a:off x="1" y="1089809"/>
-            <a:ext cx="7008810" cy="4678380"/>
+            <a:off x="1" y="1092729"/>
+            <a:ext cx="7008810" cy="4672540"/>
           </a:xfrm>
           <a:prstGeom prst="rect">
             <a:avLst/>
@@ -5729,15 +5713,7 @@
           <a:solidFill>
             <a:srgbClr val="FFFFFF"/>
           </a:solidFill>
-          <a:extLst>
-            <a:ext uri="{909E8E84-426E-40DD-AFC4-6F175D3DCCD1}">
-              <a14:hiddenFill xmlns:a14="http://schemas.microsoft.com/office/drawing/2010/main">
-                <a:solidFill>
-                  <a:srgbClr val="FFFFFF"/>
-                </a:solidFill>
-              </a14:hiddenFill>
-            </a:ext>
-          </a:extLst>
+          <a:extLst/>
         </p:spPr>
       </p:pic>
       <p:sp>
@@ -5914,8 +5890,8 @@
         </p:blipFill>
         <p:spPr bwMode="auto">
           <a:xfrm>
-            <a:off x="1" y="1089809"/>
-            <a:ext cx="7008810" cy="4678380"/>
+            <a:off x="1" y="1092729"/>
+            <a:ext cx="7008810" cy="4672540"/>
           </a:xfrm>
           <a:prstGeom prst="rect">
             <a:avLst/>

--- a/CS488 Final Report.pptx
+++ b/CS488 Final Report.pptx
@@ -5,21 +5,24 @@
     <p:sldMasterId id="2147483648" r:id="rId1"/>
   </p:sldMasterIdLst>
   <p:notesMasterIdLst>
-    <p:notesMasterId r:id="rId11"/>
+    <p:notesMasterId r:id="rId14"/>
   </p:notesMasterIdLst>
   <p:handoutMasterIdLst>
-    <p:handoutMasterId r:id="rId12"/>
+    <p:handoutMasterId r:id="rId15"/>
   </p:handoutMasterIdLst>
   <p:sldIdLst>
     <p:sldId id="256" r:id="rId2"/>
     <p:sldId id="271" r:id="rId3"/>
     <p:sldId id="257" r:id="rId4"/>
-    <p:sldId id="258" r:id="rId5"/>
-    <p:sldId id="267" r:id="rId6"/>
-    <p:sldId id="268" r:id="rId7"/>
-    <p:sldId id="269" r:id="rId8"/>
-    <p:sldId id="270" r:id="rId9"/>
-    <p:sldId id="272" r:id="rId10"/>
+    <p:sldId id="276" r:id="rId5"/>
+    <p:sldId id="274" r:id="rId6"/>
+    <p:sldId id="273" r:id="rId7"/>
+    <p:sldId id="258" r:id="rId8"/>
+    <p:sldId id="267" r:id="rId9"/>
+    <p:sldId id="268" r:id="rId10"/>
+    <p:sldId id="269" r:id="rId11"/>
+    <p:sldId id="270" r:id="rId12"/>
+    <p:sldId id="275" r:id="rId13"/>
   </p:sldIdLst>
   <p:sldSz cx="12192000" cy="6858000"/>
   <p:notesSz cx="6858000" cy="9144000"/>
@@ -234,7 +237,7 @@
           <a:p>
             <a:fld id="{043B725B-653D-4166-A8E9-72A38A1847CF}" type="datetimeFigureOut">
               <a:rPr lang="en-US"/>
-              <a:t>11/29/19</a:t>
+              <a:t>11/29/2019</a:t>
             </a:fld>
             <a:endParaRPr/>
           </a:p>
@@ -399,7 +402,7 @@
           <a:p>
             <a:fld id="{783F64CD-0576-4A9A-BD06-7889D6E60BDC}" type="datetimeFigureOut">
               <a:rPr lang="en-US"/>
-              <a:t>11/29/19</a:t>
+              <a:t>11/29/2019</a:t>
             </a:fld>
             <a:endParaRPr/>
           </a:p>
@@ -887,6 +890,102 @@
 </p:notes>
 </file>
 
+<file path=ppt/notesSlides/notesSlide3.xml><?xml version="1.0" encoding="utf-8"?>
+<p:notes xmlns:a="http://schemas.openxmlformats.org/drawingml/2006/main" xmlns:r="http://schemas.openxmlformats.org/officeDocument/2006/relationships" xmlns:p="http://schemas.openxmlformats.org/presentationml/2006/main">
+  <p:cSld>
+    <p:spTree>
+      <p:nvGrpSpPr>
+        <p:cNvPr id="1" name=""/>
+        <p:cNvGrpSpPr/>
+        <p:nvPr/>
+      </p:nvGrpSpPr>
+      <p:grpSpPr>
+        <a:xfrm>
+          <a:off x="0" y="0"/>
+          <a:ext cx="0" cy="0"/>
+          <a:chOff x="0" y="0"/>
+          <a:chExt cx="0" cy="0"/>
+        </a:xfrm>
+      </p:grpSpPr>
+      <p:sp>
+        <p:nvSpPr>
+          <p:cNvPr id="2" name="Slide Image Placeholder 1"/>
+          <p:cNvSpPr>
+            <a:spLocks noGrp="1" noRot="1" noChangeAspect="1"/>
+          </p:cNvSpPr>
+          <p:nvPr>
+            <p:ph type="sldImg"/>
+          </p:nvPr>
+        </p:nvSpPr>
+        <p:spPr/>
+      </p:sp>
+      <p:sp>
+        <p:nvSpPr>
+          <p:cNvPr id="3" name="Notes Placeholder 2"/>
+          <p:cNvSpPr>
+            <a:spLocks noGrp="1"/>
+          </p:cNvSpPr>
+          <p:nvPr>
+            <p:ph type="body" idx="1"/>
+          </p:nvPr>
+        </p:nvSpPr>
+        <p:spPr/>
+        <p:txBody>
+          <a:bodyPr/>
+          <a:lstStyle/>
+          <a:p>
+            <a:r>
+              <a:rPr lang="en-US" dirty="0"/>
+              <a:t>The data was collected in groups and group 1 was edited by the University of Wisconsin to remove entries with missing values. </a:t>
+            </a:r>
+          </a:p>
+          <a:p>
+            <a:endParaRPr lang="en-US" dirty="0"/>
+          </a:p>
+          <a:p>
+            <a:r>
+              <a:rPr lang="en-US" dirty="0"/>
+              <a:t>9 Attributes excluding ID and Class</a:t>
+            </a:r>
+          </a:p>
+        </p:txBody>
+      </p:sp>
+      <p:sp>
+        <p:nvSpPr>
+          <p:cNvPr id="4" name="Slide Number Placeholder 3"/>
+          <p:cNvSpPr>
+            <a:spLocks noGrp="1"/>
+          </p:cNvSpPr>
+          <p:nvPr>
+            <p:ph type="sldNum" sz="quarter" idx="5"/>
+          </p:nvPr>
+        </p:nvSpPr>
+        <p:spPr/>
+        <p:txBody>
+          <a:bodyPr/>
+          <a:lstStyle/>
+          <a:p>
+            <a:fld id="{9555D449-B875-4B8D-8E66-224D27E54C9A}" type="slidenum">
+              <a:rPr lang="en-US" smtClean="0"/>
+              <a:t>4</a:t>
+            </a:fld>
+            <a:endParaRPr lang="en-US"/>
+          </a:p>
+        </p:txBody>
+      </p:sp>
+    </p:spTree>
+    <p:extLst>
+      <p:ext uri="{BB962C8B-B14F-4D97-AF65-F5344CB8AC3E}">
+        <p14:creationId xmlns:p14="http://schemas.microsoft.com/office/powerpoint/2010/main" val="2973298686"/>
+      </p:ext>
+    </p:extLst>
+  </p:cSld>
+  <p:clrMapOvr>
+    <a:masterClrMapping/>
+  </p:clrMapOvr>
+</p:notes>
+</file>
+
 <file path=ppt/slideLayouts/slideLayout1.xml><?xml version="1.0" encoding="utf-8"?>
 <p:sldLayout xmlns:a="http://schemas.openxmlformats.org/drawingml/2006/main" xmlns:r="http://schemas.openxmlformats.org/officeDocument/2006/relationships" xmlns:p="http://schemas.openxmlformats.org/presentationml/2006/main" showMasterSp="0" type="title" preserve="1">
   <p:cSld name="Title Slide">
@@ -1223,7 +1322,7 @@
           <a:p>
             <a:fld id="{37CC0096-1860-4642-9CD2-0079EA5E7CD1}" type="datetimeFigureOut">
               <a:rPr lang="en-US"/>
-              <a:t>11/29/19</a:t>
+              <a:t>11/29/2019</a:t>
             </a:fld>
             <a:endParaRPr/>
           </a:p>
@@ -1472,7 +1571,7 @@
           <a:p>
             <a:fld id="{37CC0096-1860-4642-9CD2-0079EA5E7CD1}" type="datetimeFigureOut">
               <a:rPr lang="en-US"/>
-              <a:t>11/29/19</a:t>
+              <a:t>11/29/2019</a:t>
             </a:fld>
             <a:endParaRPr/>
           </a:p>
@@ -1658,7 +1757,7 @@
           <a:p>
             <a:fld id="{37CC0096-1860-4642-9CD2-0079EA5E7CD1}" type="datetimeFigureOut">
               <a:rPr lang="en-US"/>
-              <a:t>11/29/19</a:t>
+              <a:t>11/29/2019</a:t>
             </a:fld>
             <a:endParaRPr/>
           </a:p>
@@ -2189,7 +2288,7 @@
           <a:p>
             <a:fld id="{37CC0096-1860-4642-9CD2-0079EA5E7CD1}" type="datetimeFigureOut">
               <a:rPr lang="en-US"/>
-              <a:t>11/29/19</a:t>
+              <a:t>11/29/2019</a:t>
             </a:fld>
             <a:endParaRPr/>
           </a:p>
@@ -2641,7 +2740,7 @@
           <a:p>
             <a:fld id="{37CC0096-1860-4642-9CD2-0079EA5E7CD1}" type="datetimeFigureOut">
               <a:rPr lang="en-US"/>
-              <a:t>11/29/19</a:t>
+              <a:t>11/29/2019</a:t>
             </a:fld>
             <a:endParaRPr/>
           </a:p>
@@ -2771,7 +2870,7 @@
           <a:p>
             <a:fld id="{37CC0096-1860-4642-9CD2-0079EA5E7CD1}" type="datetimeFigureOut">
               <a:rPr lang="en-US"/>
-              <a:t>11/29/19</a:t>
+              <a:t>11/29/2019</a:t>
             </a:fld>
             <a:endParaRPr/>
           </a:p>
@@ -2878,7 +2977,7 @@
           <a:p>
             <a:fld id="{37CC0096-1860-4642-9CD2-0079EA5E7CD1}" type="datetimeFigureOut">
               <a:rPr lang="en-US"/>
-              <a:t>11/29/19</a:t>
+              <a:t>11/29/2019</a:t>
             </a:fld>
             <a:endParaRPr/>
           </a:p>
@@ -3867,7 +3966,7 @@
             <a:fld id="{37CC0096-1860-4642-9CD2-0079EA5E7CD1}" type="datetimeFigureOut">
               <a:rPr lang="en-US" smtClean="0"/>
               <a:pPr/>
-              <a:t>11/29/19</a:t>
+              <a:t>11/29/2019</a:t>
             </a:fld>
             <a:endParaRPr lang="en-US" dirty="0"/>
           </a:p>
@@ -4394,6 +4493,540 @@
 </p:sld>
 </file>
 
+<file path=ppt/slides/slide10.xml><?xml version="1.0" encoding="utf-8"?>
+<p:sld xmlns:a="http://schemas.openxmlformats.org/drawingml/2006/main" xmlns:r="http://schemas.openxmlformats.org/officeDocument/2006/relationships" xmlns:p="http://schemas.openxmlformats.org/presentationml/2006/main">
+  <p:cSld>
+    <p:bg>
+      <p:bgPr>
+        <a:gradFill flip="none" rotWithShape="1">
+          <a:gsLst>
+            <a:gs pos="0">
+              <a:srgbClr val="D9D9D9"/>
+            </a:gs>
+            <a:gs pos="100000">
+              <a:schemeClr val="bg1"/>
+            </a:gs>
+          </a:gsLst>
+          <a:lin ang="16200000" scaled="1"/>
+          <a:tileRect/>
+        </a:gradFill>
+        <a:effectLst/>
+      </p:bgPr>
+    </p:bg>
+    <p:spTree>
+      <p:nvGrpSpPr>
+        <p:cNvPr id="1" name=""/>
+        <p:cNvGrpSpPr/>
+        <p:nvPr/>
+      </p:nvGrpSpPr>
+      <p:grpSpPr>
+        <a:xfrm>
+          <a:off x="0" y="0"/>
+          <a:ext cx="0" cy="0"/>
+          <a:chOff x="0" y="0"/>
+          <a:chExt cx="0" cy="0"/>
+        </a:xfrm>
+      </p:grpSpPr>
+      <p:sp>
+        <p:nvSpPr>
+          <p:cNvPr id="2" name="Title 1"/>
+          <p:cNvSpPr>
+            <a:spLocks noGrp="1"/>
+          </p:cNvSpPr>
+          <p:nvPr>
+            <p:ph type="title"/>
+          </p:nvPr>
+        </p:nvSpPr>
+        <p:spPr>
+          <a:xfrm>
+            <a:off x="7635240" y="2552699"/>
+            <a:ext cx="3932237" cy="1752600"/>
+          </a:xfrm>
+          <a:prstGeom prst="rect">
+            <a:avLst/>
+          </a:prstGeom>
+        </p:spPr>
+        <p:txBody>
+          <a:bodyPr anchor="b">
+            <a:normAutofit/>
+          </a:bodyPr>
+          <a:lstStyle/>
+          <a:p>
+            <a:r>
+              <a:rPr lang="en-US" dirty="0"/>
+              <a:t>Data Mining Task</a:t>
+            </a:r>
+          </a:p>
+        </p:txBody>
+      </p:sp>
+      <p:pic>
+        <p:nvPicPr>
+          <p:cNvPr id="5122" name="Picture 2">
+            <a:extLst>
+              <a:ext uri="{FF2B5EF4-FFF2-40B4-BE49-F238E27FC236}">
+                <a16:creationId xmlns:a16="http://schemas.microsoft.com/office/drawing/2014/main" id="{AE7FD47E-7B48-44C4-9DB1-6C50260BA729}"/>
+              </a:ext>
+            </a:extLst>
+          </p:cNvPr>
+          <p:cNvPicPr>
+            <a:picLocks noChangeAspect="1" noChangeArrowheads="1"/>
+          </p:cNvPicPr>
+          <p:nvPr/>
+        </p:nvPicPr>
+        <p:blipFill>
+          <a:blip r:embed="rId2">
+            <a:extLst>
+              <a:ext uri="{28A0092B-C50C-407E-A947-70E740481C1C}">
+                <a14:useLocalDpi xmlns:a14="http://schemas.microsoft.com/office/drawing/2010/main" val="0"/>
+              </a:ext>
+            </a:extLst>
+          </a:blip>
+          <a:stretch>
+            <a:fillRect/>
+          </a:stretch>
+        </p:blipFill>
+        <p:spPr bwMode="auto">
+          <a:xfrm>
+            <a:off x="1" y="1092729"/>
+            <a:ext cx="7008810" cy="4672540"/>
+          </a:xfrm>
+          <a:prstGeom prst="rect">
+            <a:avLst/>
+          </a:prstGeom>
+          <a:solidFill>
+            <a:srgbClr val="FFFFFF"/>
+          </a:solidFill>
+        </p:spPr>
+      </p:pic>
+      <p:sp>
+        <p:nvSpPr>
+          <p:cNvPr id="3" name="Content Placeholder 2">
+            <a:extLst>
+              <a:ext uri="{FF2B5EF4-FFF2-40B4-BE49-F238E27FC236}">
+                <a16:creationId xmlns:a16="http://schemas.microsoft.com/office/drawing/2014/main" id="{03876035-297D-4768-835C-7854DBEFBDCD}"/>
+              </a:ext>
+            </a:extLst>
+          </p:cNvPr>
+          <p:cNvSpPr>
+            <a:spLocks noGrp="1"/>
+          </p:cNvSpPr>
+          <p:nvPr>
+            <p:ph type="body" sz="half" idx="2"/>
+          </p:nvPr>
+        </p:nvSpPr>
+        <p:spPr>
+          <a:xfrm>
+            <a:off x="7635240" y="4651248"/>
+            <a:ext cx="3932237" cy="1752600"/>
+          </a:xfrm>
+          <a:prstGeom prst="rect">
+            <a:avLst/>
+          </a:prstGeom>
+        </p:spPr>
+        <p:txBody>
+          <a:bodyPr>
+            <a:normAutofit/>
+          </a:bodyPr>
+          <a:lstStyle/>
+          <a:p>
+            <a:pPr marL="285750" indent="-285750">
+              <a:buFont typeface="Arial" panose="020B0604020202020204" pitchFamily="34" charset="0"/>
+              <a:buChar char="•"/>
+            </a:pPr>
+            <a:r>
+              <a:rPr lang="en-US" dirty="0"/>
+              <a:t>Classification on tumor class (Benign or Malignant)</a:t>
+            </a:r>
+          </a:p>
+          <a:p>
+            <a:pPr marL="285750" indent="-285750">
+              <a:buFont typeface="Arial" panose="020B0604020202020204" pitchFamily="34" charset="0"/>
+              <a:buChar char="•"/>
+            </a:pPr>
+            <a:r>
+              <a:rPr lang="en-US" dirty="0"/>
+              <a:t>K-Nearest Neighbor Classifier with Euclidean distance. </a:t>
+            </a:r>
+          </a:p>
+          <a:p>
+            <a:pPr marL="285750" indent="-285750">
+              <a:buFont typeface="Arial" panose="020B0604020202020204" pitchFamily="34" charset="0"/>
+              <a:buChar char="•"/>
+            </a:pPr>
+            <a:r>
+              <a:rPr lang="en-US" dirty="0"/>
+              <a:t>10-fold cross validation</a:t>
+            </a:r>
+          </a:p>
+          <a:p>
+            <a:endParaRPr lang="en-US" dirty="0"/>
+          </a:p>
+        </p:txBody>
+      </p:sp>
+    </p:spTree>
+    <p:extLst>
+      <p:ext uri="{BB962C8B-B14F-4D97-AF65-F5344CB8AC3E}">
+        <p14:creationId xmlns:p14="http://schemas.microsoft.com/office/powerpoint/2010/main" val="2407479017"/>
+      </p:ext>
+    </p:extLst>
+  </p:cSld>
+  <p:clrMapOvr>
+    <a:masterClrMapping/>
+  </p:clrMapOvr>
+  <mc:AlternateContent xmlns:mc="http://schemas.openxmlformats.org/markup-compatibility/2006" xmlns:p14="http://schemas.microsoft.com/office/powerpoint/2010/main">
+    <mc:Choice Requires="p14">
+      <p:transition spd="med" p14:dur="700">
+        <p:fade/>
+      </p:transition>
+    </mc:Choice>
+    <mc:Fallback xmlns="">
+      <p:transition spd="med">
+        <p:fade/>
+      </p:transition>
+    </mc:Fallback>
+  </mc:AlternateContent>
+</p:sld>
+</file>
+
+<file path=ppt/slides/slide11.xml><?xml version="1.0" encoding="utf-8"?>
+<p:sld xmlns:a="http://schemas.openxmlformats.org/drawingml/2006/main" xmlns:r="http://schemas.openxmlformats.org/officeDocument/2006/relationships" xmlns:p="http://schemas.openxmlformats.org/presentationml/2006/main">
+  <p:cSld>
+    <p:bg>
+      <p:bgPr>
+        <a:gradFill flip="none" rotWithShape="1">
+          <a:gsLst>
+            <a:gs pos="0">
+              <a:srgbClr val="D9D9D9"/>
+            </a:gs>
+            <a:gs pos="100000">
+              <a:schemeClr val="bg1"/>
+            </a:gs>
+          </a:gsLst>
+          <a:lin ang="16200000" scaled="1"/>
+          <a:tileRect/>
+        </a:gradFill>
+        <a:effectLst/>
+      </p:bgPr>
+    </p:bg>
+    <p:spTree>
+      <p:nvGrpSpPr>
+        <p:cNvPr id="1" name=""/>
+        <p:cNvGrpSpPr/>
+        <p:nvPr/>
+      </p:nvGrpSpPr>
+      <p:grpSpPr>
+        <a:xfrm>
+          <a:off x="0" y="0"/>
+          <a:ext cx="0" cy="0"/>
+          <a:chOff x="0" y="0"/>
+          <a:chExt cx="0" cy="0"/>
+        </a:xfrm>
+      </p:grpSpPr>
+      <p:sp>
+        <p:nvSpPr>
+          <p:cNvPr id="2" name="Title 1"/>
+          <p:cNvSpPr>
+            <a:spLocks noGrp="1"/>
+          </p:cNvSpPr>
+          <p:nvPr>
+            <p:ph type="title"/>
+          </p:nvPr>
+        </p:nvSpPr>
+        <p:spPr>
+          <a:xfrm>
+            <a:off x="7635240" y="2552699"/>
+            <a:ext cx="3932237" cy="1752600"/>
+          </a:xfrm>
+          <a:prstGeom prst="rect">
+            <a:avLst/>
+          </a:prstGeom>
+        </p:spPr>
+        <p:txBody>
+          <a:bodyPr anchor="b">
+            <a:normAutofit/>
+          </a:bodyPr>
+          <a:lstStyle/>
+          <a:p>
+            <a:r>
+              <a:rPr lang="en-US" dirty="0"/>
+              <a:t>Data Mining Task</a:t>
+            </a:r>
+          </a:p>
+        </p:txBody>
+      </p:sp>
+      <p:pic>
+        <p:nvPicPr>
+          <p:cNvPr id="6146" name="Picture 2">
+            <a:extLst>
+              <a:ext uri="{FF2B5EF4-FFF2-40B4-BE49-F238E27FC236}">
+                <a16:creationId xmlns:a16="http://schemas.microsoft.com/office/drawing/2014/main" id="{0744CA0A-F76D-4B3F-BD5D-28CA952768A7}"/>
+              </a:ext>
+            </a:extLst>
+          </p:cNvPr>
+          <p:cNvPicPr>
+            <a:picLocks noChangeAspect="1" noChangeArrowheads="1"/>
+          </p:cNvPicPr>
+          <p:nvPr/>
+        </p:nvPicPr>
+        <p:blipFill>
+          <a:blip r:embed="rId2">
+            <a:extLst>
+              <a:ext uri="{28A0092B-C50C-407E-A947-70E740481C1C}">
+                <a14:useLocalDpi xmlns:a14="http://schemas.microsoft.com/office/drawing/2010/main" val="0"/>
+              </a:ext>
+            </a:extLst>
+          </a:blip>
+          <a:stretch>
+            <a:fillRect/>
+          </a:stretch>
+        </p:blipFill>
+        <p:spPr bwMode="auto">
+          <a:xfrm>
+            <a:off x="1" y="1092729"/>
+            <a:ext cx="7008810" cy="4672540"/>
+          </a:xfrm>
+          <a:prstGeom prst="rect">
+            <a:avLst/>
+          </a:prstGeom>
+          <a:noFill/>
+          <a:extLst>
+            <a:ext uri="{909E8E84-426E-40DD-AFC4-6F175D3DCCD1}">
+              <a14:hiddenFill xmlns:a14="http://schemas.microsoft.com/office/drawing/2010/main">
+                <a:solidFill>
+                  <a:srgbClr val="FFFFFF"/>
+                </a:solidFill>
+              </a14:hiddenFill>
+            </a:ext>
+          </a:extLst>
+        </p:spPr>
+      </p:pic>
+      <p:sp>
+        <p:nvSpPr>
+          <p:cNvPr id="3" name="Content Placeholder 2">
+            <a:extLst>
+              <a:ext uri="{FF2B5EF4-FFF2-40B4-BE49-F238E27FC236}">
+                <a16:creationId xmlns:a16="http://schemas.microsoft.com/office/drawing/2014/main" id="{03876035-297D-4768-835C-7854DBEFBDCD}"/>
+              </a:ext>
+            </a:extLst>
+          </p:cNvPr>
+          <p:cNvSpPr>
+            <a:spLocks noGrp="1"/>
+          </p:cNvSpPr>
+          <p:nvPr>
+            <p:ph type="body" sz="half" idx="2"/>
+          </p:nvPr>
+        </p:nvSpPr>
+        <p:spPr>
+          <a:xfrm>
+            <a:off x="7635240" y="4651248"/>
+            <a:ext cx="3932237" cy="1752600"/>
+          </a:xfrm>
+          <a:prstGeom prst="rect">
+            <a:avLst/>
+          </a:prstGeom>
+        </p:spPr>
+        <p:txBody>
+          <a:bodyPr>
+            <a:normAutofit/>
+          </a:bodyPr>
+          <a:lstStyle/>
+          <a:p>
+            <a:pPr marL="285750" indent="-285750">
+              <a:buFont typeface="Arial" panose="020B0604020202020204" pitchFamily="34" charset="0"/>
+              <a:buChar char="•"/>
+            </a:pPr>
+            <a:r>
+              <a:rPr lang="en-US" dirty="0"/>
+              <a:t>Classification on tumor class (Benign or Malignant)</a:t>
+            </a:r>
+          </a:p>
+          <a:p>
+            <a:pPr marL="285750" indent="-285750">
+              <a:buFont typeface="Arial" panose="020B0604020202020204" pitchFamily="34" charset="0"/>
+              <a:buChar char="•"/>
+            </a:pPr>
+            <a:r>
+              <a:rPr lang="en-US" dirty="0"/>
+              <a:t>K-Nearest Neighbor Classifier with Manhattan distance. </a:t>
+            </a:r>
+          </a:p>
+          <a:p>
+            <a:pPr marL="285750" indent="-285750">
+              <a:buFont typeface="Arial" panose="020B0604020202020204" pitchFamily="34" charset="0"/>
+              <a:buChar char="•"/>
+            </a:pPr>
+            <a:r>
+              <a:rPr lang="en-US" dirty="0"/>
+              <a:t>10-fold cross validation</a:t>
+            </a:r>
+          </a:p>
+          <a:p>
+            <a:endParaRPr lang="en-US" dirty="0"/>
+          </a:p>
+        </p:txBody>
+      </p:sp>
+    </p:spTree>
+    <p:extLst>
+      <p:ext uri="{BB962C8B-B14F-4D97-AF65-F5344CB8AC3E}">
+        <p14:creationId xmlns:p14="http://schemas.microsoft.com/office/powerpoint/2010/main" val="2651682320"/>
+      </p:ext>
+    </p:extLst>
+  </p:cSld>
+  <p:clrMapOvr>
+    <a:masterClrMapping/>
+  </p:clrMapOvr>
+  <mc:AlternateContent xmlns:mc="http://schemas.openxmlformats.org/markup-compatibility/2006" xmlns:p14="http://schemas.microsoft.com/office/powerpoint/2010/main">
+    <mc:Choice Requires="p14">
+      <p:transition spd="med" p14:dur="700">
+        <p:fade/>
+      </p:transition>
+    </mc:Choice>
+    <mc:Fallback xmlns="">
+      <p:transition spd="med">
+        <p:fade/>
+      </p:transition>
+    </mc:Fallback>
+  </mc:AlternateContent>
+</p:sld>
+</file>
+
+<file path=ppt/slides/slide12.xml><?xml version="1.0" encoding="utf-8"?>
+<p:sld xmlns:a="http://schemas.openxmlformats.org/drawingml/2006/main" xmlns:r="http://schemas.openxmlformats.org/officeDocument/2006/relationships" xmlns:p="http://schemas.openxmlformats.org/presentationml/2006/main">
+  <p:cSld>
+    <p:spTree>
+      <p:nvGrpSpPr>
+        <p:cNvPr id="1" name=""/>
+        <p:cNvGrpSpPr/>
+        <p:nvPr/>
+      </p:nvGrpSpPr>
+      <p:grpSpPr>
+        <a:xfrm>
+          <a:off x="0" y="0"/>
+          <a:ext cx="0" cy="0"/>
+          <a:chOff x="0" y="0"/>
+          <a:chExt cx="0" cy="0"/>
+        </a:xfrm>
+      </p:grpSpPr>
+      <p:sp>
+        <p:nvSpPr>
+          <p:cNvPr id="2" name="Title 1">
+            <a:extLst>
+              <a:ext uri="{FF2B5EF4-FFF2-40B4-BE49-F238E27FC236}">
+                <a16:creationId xmlns:a16="http://schemas.microsoft.com/office/drawing/2014/main" id="{F89ABFDA-B158-4287-AD6C-121193B3667F}"/>
+              </a:ext>
+            </a:extLst>
+          </p:cNvPr>
+          <p:cNvSpPr>
+            <a:spLocks noGrp="1"/>
+          </p:cNvSpPr>
+          <p:nvPr>
+            <p:ph type="title"/>
+          </p:nvPr>
+        </p:nvSpPr>
+        <p:spPr/>
+        <p:txBody>
+          <a:bodyPr/>
+          <a:lstStyle/>
+          <a:p>
+            <a:r>
+              <a:rPr lang="en-US" dirty="0"/>
+              <a:t>Results</a:t>
+            </a:r>
+          </a:p>
+        </p:txBody>
+      </p:sp>
+      <p:sp>
+        <p:nvSpPr>
+          <p:cNvPr id="4" name="Content Placeholder 3">
+            <a:extLst>
+              <a:ext uri="{FF2B5EF4-FFF2-40B4-BE49-F238E27FC236}">
+                <a16:creationId xmlns:a16="http://schemas.microsoft.com/office/drawing/2014/main" id="{F5E12BC4-4BEC-4600-AB61-EB09FEC97C6A}"/>
+              </a:ext>
+            </a:extLst>
+          </p:cNvPr>
+          <p:cNvSpPr>
+            <a:spLocks noGrp="1"/>
+          </p:cNvSpPr>
+          <p:nvPr>
+            <p:ph idx="1"/>
+          </p:nvPr>
+        </p:nvSpPr>
+        <p:spPr>
+          <a:xfrm>
+            <a:off x="1524000" y="1828799"/>
+            <a:ext cx="9144000" cy="4191001"/>
+          </a:xfrm>
+        </p:spPr>
+        <p:txBody>
+          <a:bodyPr/>
+          <a:lstStyle/>
+          <a:p>
+            <a:r>
+              <a:rPr lang="en-US" sz="3000" dirty="0"/>
+              <a:t>Recall scores in order:</a:t>
+            </a:r>
+          </a:p>
+          <a:p>
+            <a:pPr lvl="1"/>
+            <a:r>
+              <a:rPr lang="en-US" sz="2800" dirty="0"/>
+              <a:t>1. K-Nearest Neighbor Classifier (89.4%)</a:t>
+            </a:r>
+          </a:p>
+          <a:p>
+            <a:pPr lvl="1"/>
+            <a:r>
+              <a:rPr lang="en-US" sz="2800" dirty="0"/>
+              <a:t>2. Random Forest Classifier (89.2%)</a:t>
+            </a:r>
+          </a:p>
+          <a:p>
+            <a:pPr lvl="1"/>
+            <a:r>
+              <a:rPr lang="en-US" sz="2800" dirty="0"/>
+              <a:t>3. Naïve-Bayes Classifier (88.4%)</a:t>
+            </a:r>
+          </a:p>
+          <a:p>
+            <a:pPr lvl="1"/>
+            <a:r>
+              <a:rPr lang="en-US" sz="2800" dirty="0"/>
+              <a:t>4. Support Vector Machine Classifier (85.4%)</a:t>
+            </a:r>
+          </a:p>
+          <a:p>
+            <a:r>
+              <a:rPr lang="en-US" sz="3000" dirty="0"/>
+              <a:t>Best case was K-Nearest Neighbor classifier with Euclidean Distance and ~10 neighbors </a:t>
+            </a:r>
+          </a:p>
+        </p:txBody>
+      </p:sp>
+    </p:spTree>
+    <p:extLst>
+      <p:ext uri="{BB962C8B-B14F-4D97-AF65-F5344CB8AC3E}">
+        <p14:creationId xmlns:p14="http://schemas.microsoft.com/office/powerpoint/2010/main" val="1792790648"/>
+      </p:ext>
+    </p:extLst>
+  </p:cSld>
+  <p:clrMapOvr>
+    <a:masterClrMapping/>
+  </p:clrMapOvr>
+  <mc:AlternateContent xmlns:mc="http://schemas.openxmlformats.org/markup-compatibility/2006" xmlns:p14="http://schemas.microsoft.com/office/powerpoint/2010/main">
+    <mc:Choice Requires="p14">
+      <p:transition spd="med" p14:dur="700">
+        <p:fade/>
+      </p:transition>
+    </mc:Choice>
+    <mc:Fallback xmlns="">
+      <p:transition spd="med">
+        <p:fade/>
+      </p:transition>
+    </mc:Fallback>
+  </mc:AlternateContent>
+</p:sld>
+</file>
+
 <file path=ppt/slides/slide2.xml><?xml version="1.0" encoding="utf-8"?>
 <p:sld xmlns:a="http://schemas.openxmlformats.org/drawingml/2006/main" xmlns:r="http://schemas.openxmlformats.org/officeDocument/2006/relationships" xmlns:p="http://schemas.openxmlformats.org/presentationml/2006/main">
   <p:cSld>
@@ -5049,23 +5682,6 @@
 <file path=ppt/slides/slide4.xml><?xml version="1.0" encoding="utf-8"?>
 <p:sld xmlns:a="http://schemas.openxmlformats.org/drawingml/2006/main" xmlns:r="http://schemas.openxmlformats.org/officeDocument/2006/relationships" xmlns:p="http://schemas.openxmlformats.org/presentationml/2006/main">
   <p:cSld>
-    <p:bg>
-      <p:bgPr>
-        <a:gradFill flip="none" rotWithShape="1">
-          <a:gsLst>
-            <a:gs pos="0">
-              <a:srgbClr val="D9D9D9"/>
-            </a:gs>
-            <a:gs pos="100000">
-              <a:schemeClr val="bg1"/>
-            </a:gs>
-          </a:gsLst>
-          <a:lin ang="16200000" scaled="1"/>
-          <a:tileRect/>
-        </a:gradFill>
-        <a:effectLst/>
-      </p:bgPr>
-    </p:bg>
     <p:spTree>
       <p:nvGrpSpPr>
         <p:cNvPr id="1" name=""/>
@@ -5092,125 +5708,77 @@
         </p:nvSpPr>
         <p:spPr>
           <a:xfrm>
-            <a:off x="7635240" y="3200400"/>
-            <a:ext cx="3932237" cy="1752600"/>
+            <a:off x="1066800" y="99220"/>
+            <a:ext cx="10058400" cy="1325563"/>
           </a:xfrm>
           <a:prstGeom prst="rect">
             <a:avLst/>
           </a:prstGeom>
         </p:spPr>
         <p:txBody>
-          <a:bodyPr anchor="b">
+          <a:bodyPr vert="horz" lIns="91440" tIns="45720" rIns="91440" bIns="45720" rtlCol="0" anchor="ctr">
             <a:normAutofit/>
           </a:bodyPr>
           <a:lstStyle/>
           <a:p>
             <a:r>
               <a:rPr lang="en-US" dirty="0"/>
-              <a:t>Data Mining Task</a:t>
-            </a:r>
-          </a:p>
-        </p:txBody>
-      </p:sp>
-      <p:pic>
-        <p:nvPicPr>
-          <p:cNvPr id="2050" name="Picture 2">
-            <a:extLst>
-              <a:ext uri="{FF2B5EF4-FFF2-40B4-BE49-F238E27FC236}">
-                <a16:creationId xmlns:a16="http://schemas.microsoft.com/office/drawing/2014/main" id="{EDDDC8F5-A1A3-44BC-92AC-098368916A1C}"/>
-              </a:ext>
-            </a:extLst>
-          </p:cNvPr>
-          <p:cNvPicPr>
-            <a:picLocks noChangeAspect="1" noChangeArrowheads="1"/>
-          </p:cNvPicPr>
-          <p:nvPr/>
-        </p:nvPicPr>
-        <p:blipFill>
-          <a:blip r:embed="rId2">
-            <a:extLst>
-              <a:ext uri="{28A0092B-C50C-407E-A947-70E740481C1C}">
-                <a14:useLocalDpi xmlns:a14="http://schemas.microsoft.com/office/drawing/2010/main" val="0"/>
-              </a:ext>
-            </a:extLst>
-          </a:blip>
-          <a:stretch>
-            <a:fillRect/>
-          </a:stretch>
-        </p:blipFill>
-        <p:spPr bwMode="auto">
-          <a:xfrm>
-            <a:off x="1" y="1092729"/>
-            <a:ext cx="7008810" cy="4672540"/>
-          </a:xfrm>
-          <a:prstGeom prst="rect">
-            <a:avLst/>
-          </a:prstGeom>
-          <a:solidFill>
-            <a:srgbClr val="FFFFFF"/>
-          </a:solidFill>
-          <a:extLst/>
-        </p:spPr>
-      </p:pic>
-      <p:sp>
-        <p:nvSpPr>
-          <p:cNvPr id="3" name="Content Placeholder 2">
-            <a:extLst>
-              <a:ext uri="{FF2B5EF4-FFF2-40B4-BE49-F238E27FC236}">
-                <a16:creationId xmlns:a16="http://schemas.microsoft.com/office/drawing/2014/main" id="{03876035-297D-4768-835C-7854DBEFBDCD}"/>
-              </a:ext>
-            </a:extLst>
-          </p:cNvPr>
-          <p:cNvSpPr>
-            <a:spLocks noGrp="1"/>
-          </p:cNvSpPr>
-          <p:nvPr>
-            <p:ph type="body" sz="half" idx="2"/>
+              <a:t>Pre-processing of Data</a:t>
+            </a:r>
+          </a:p>
+        </p:txBody>
+      </p:sp>
+      <p:sp>
+        <p:nvSpPr>
+          <p:cNvPr id="3" name="Content Placeholder 2"/>
+          <p:cNvSpPr>
+            <a:spLocks noGrp="1"/>
+          </p:cNvSpPr>
+          <p:nvPr>
+            <p:ph sz="half" idx="1"/>
           </p:nvPr>
         </p:nvSpPr>
         <p:spPr>
           <a:xfrm>
-            <a:off x="7635240" y="5029200"/>
-            <a:ext cx="3932237" cy="1374648"/>
+            <a:off x="1143000" y="2362200"/>
+            <a:ext cx="9753600" cy="3429000"/>
           </a:xfrm>
           <a:prstGeom prst="rect">
             <a:avLst/>
           </a:prstGeom>
         </p:spPr>
         <p:txBody>
-          <a:bodyPr>
+          <a:bodyPr vert="horz" lIns="91440" tIns="45720" rIns="91440" bIns="45720" rtlCol="0">
             <a:normAutofit/>
           </a:bodyPr>
           <a:lstStyle/>
           <a:p>
-            <a:pPr marL="285750" indent="-285750">
-              <a:buFont typeface="Arial" panose="020B0604020202020204" pitchFamily="34" charset="0"/>
-              <a:buChar char="•"/>
-            </a:pPr>
-            <a:r>
-              <a:rPr lang="en-US" dirty="0"/>
-              <a:t>Classification on tumor class (Benign or Malignant)</a:t>
-            </a:r>
-          </a:p>
-          <a:p>
-            <a:pPr marL="285750" indent="-285750">
-              <a:buFont typeface="Arial" panose="020B0604020202020204" pitchFamily="34" charset="0"/>
-              <a:buChar char="•"/>
-            </a:pPr>
-            <a:r>
-              <a:rPr lang="en-US" dirty="0"/>
-              <a:t>Decision Tree with entropy as impurity measure. </a:t>
-            </a:r>
-          </a:p>
-          <a:p>
-            <a:endParaRPr lang="en-US" dirty="0"/>
+            <a:pPr marL="0" indent="0"/>
+            <a:r>
+              <a:rPr lang="en-US" sz="3200" dirty="0"/>
+              <a:t>Removed Null values</a:t>
+            </a:r>
+          </a:p>
+          <a:p>
+            <a:pPr marL="228600" lvl="1" indent="0"/>
+            <a:r>
+              <a:rPr lang="en-US" sz="2800" dirty="0"/>
+              <a:t>16 values in Bare Nuclei column removed</a:t>
+            </a:r>
+          </a:p>
+          <a:p>
+            <a:pPr marL="0" indent="0"/>
+            <a:r>
+              <a:rPr lang="en-US" sz="3200" dirty="0"/>
+              <a:t>Detected and removed outlier values </a:t>
+            </a:r>
           </a:p>
         </p:txBody>
       </p:sp>
     </p:spTree>
     <p:extLst>
       <p:ext uri="{BB962C8B-B14F-4D97-AF65-F5344CB8AC3E}">
-        <p14:creationId xmlns:p14="http://schemas.microsoft.com/office/powerpoint/2010/main" val="1928620899"/>
+        <p14:creationId xmlns:p14="http://schemas.microsoft.com/office/powerpoint/2010/main" val="3578066422"/>
       </p:ext>
     </p:extLst>
   </p:cSld>
@@ -5235,23 +5803,6 @@
 <file path=ppt/slides/slide5.xml><?xml version="1.0" encoding="utf-8"?>
 <p:sld xmlns:a="http://schemas.openxmlformats.org/drawingml/2006/main" xmlns:r="http://schemas.openxmlformats.org/officeDocument/2006/relationships" xmlns:p="http://schemas.openxmlformats.org/presentationml/2006/main">
   <p:cSld>
-    <p:bg>
-      <p:bgPr>
-        <a:gradFill flip="none" rotWithShape="1">
-          <a:gsLst>
-            <a:gs pos="0">
-              <a:srgbClr val="D9D9D9"/>
-            </a:gs>
-            <a:gs pos="100000">
-              <a:schemeClr val="bg1"/>
-            </a:gs>
-          </a:gsLst>
-          <a:lin ang="16200000" scaled="1"/>
-          <a:tileRect/>
-        </a:gradFill>
-        <a:effectLst/>
-      </p:bgPr>
-    </p:bg>
     <p:spTree>
       <p:nvGrpSpPr>
         <p:cNvPr id="1" name=""/>
@@ -5268,88 +5819,38 @@
       </p:grpSpPr>
       <p:sp>
         <p:nvSpPr>
-          <p:cNvPr id="2" name="Title 1"/>
-          <p:cNvSpPr>
-            <a:spLocks noGrp="1"/>
-          </p:cNvSpPr>
-          <p:nvPr>
-            <p:ph type="title"/>
-          </p:nvPr>
-        </p:nvSpPr>
-        <p:spPr>
-          <a:xfrm>
-            <a:off x="7635240" y="3200400"/>
-            <a:ext cx="3932237" cy="1752600"/>
-          </a:xfrm>
-          <a:prstGeom prst="rect">
-            <a:avLst/>
-          </a:prstGeom>
-        </p:spPr>
-        <p:txBody>
-          <a:bodyPr anchor="b">
-            <a:normAutofit/>
-          </a:bodyPr>
-          <a:lstStyle/>
-          <a:p>
-            <a:r>
-              <a:rPr lang="en-US" dirty="0"/>
-              <a:t>Data Mining Task</a:t>
-            </a:r>
-          </a:p>
-        </p:txBody>
-      </p:sp>
-      <p:pic>
-        <p:nvPicPr>
-          <p:cNvPr id="3074" name="Picture 2">
+          <p:cNvPr id="2" name="Title 1">
             <a:extLst>
               <a:ext uri="{FF2B5EF4-FFF2-40B4-BE49-F238E27FC236}">
-                <a16:creationId xmlns:a16="http://schemas.microsoft.com/office/drawing/2014/main" id="{00241109-17EB-40B2-A778-521BBD9B5CBC}"/>
+                <a16:creationId xmlns:a16="http://schemas.microsoft.com/office/drawing/2014/main" id="{F89ABFDA-B158-4287-AD6C-121193B3667F}"/>
               </a:ext>
             </a:extLst>
           </p:cNvPr>
-          <p:cNvPicPr>
-            <a:picLocks noChangeAspect="1" noChangeArrowheads="1"/>
-          </p:cNvPicPr>
-          <p:nvPr/>
-        </p:nvPicPr>
-        <p:blipFill>
-          <a:blip r:embed="rId2">
-            <a:extLst>
-              <a:ext uri="{28A0092B-C50C-407E-A947-70E740481C1C}">
-                <a14:useLocalDpi xmlns:a14="http://schemas.microsoft.com/office/drawing/2010/main" val="0"/>
-              </a:ext>
-            </a:extLst>
-          </a:blip>
-          <a:stretch>
-            <a:fillRect/>
-          </a:stretch>
-        </p:blipFill>
-        <p:spPr bwMode="auto">
-          <a:xfrm>
-            <a:off x="1" y="1092729"/>
-            <a:ext cx="7008810" cy="4672540"/>
-          </a:xfrm>
-          <a:prstGeom prst="rect">
-            <a:avLst/>
-          </a:prstGeom>
-          <a:noFill/>
-          <a:extLst>
-            <a:ext uri="{909E8E84-426E-40DD-AFC4-6F175D3DCCD1}">
-              <a14:hiddenFill xmlns:a14="http://schemas.microsoft.com/office/drawing/2010/main">
-                <a:solidFill>
-                  <a:srgbClr val="FFFFFF"/>
-                </a:solidFill>
-              </a14:hiddenFill>
-            </a:ext>
-          </a:extLst>
-        </p:spPr>
-      </p:pic>
-      <p:sp>
-        <p:nvSpPr>
-          <p:cNvPr id="3" name="Content Placeholder 2">
+          <p:cNvSpPr>
+            <a:spLocks noGrp="1"/>
+          </p:cNvSpPr>
+          <p:nvPr>
+            <p:ph type="title"/>
+          </p:nvPr>
+        </p:nvSpPr>
+        <p:spPr/>
+        <p:txBody>
+          <a:bodyPr/>
+          <a:lstStyle/>
+          <a:p>
+            <a:r>
+              <a:rPr lang="en-US" dirty="0"/>
+              <a:t>Outlier Detection and Removal</a:t>
+            </a:r>
+          </a:p>
+        </p:txBody>
+      </p:sp>
+      <p:sp>
+        <p:nvSpPr>
+          <p:cNvPr id="4" name="Content Placeholder 3">
             <a:extLst>
               <a:ext uri="{FF2B5EF4-FFF2-40B4-BE49-F238E27FC236}">
-                <a16:creationId xmlns:a16="http://schemas.microsoft.com/office/drawing/2014/main" id="{03876035-297D-4768-835C-7854DBEFBDCD}"/>
+                <a16:creationId xmlns:a16="http://schemas.microsoft.com/office/drawing/2014/main" id="{F5E12BC4-4BEC-4600-AB61-EB09FEC97C6A}"/>
               </a:ext>
             </a:extLst>
           </p:cNvPr>
@@ -5357,52 +5858,77 @@
             <a:spLocks noGrp="1"/>
           </p:cNvSpPr>
           <p:nvPr>
-            <p:ph type="body" sz="half" idx="2"/>
+            <p:ph idx="1"/>
           </p:nvPr>
         </p:nvSpPr>
         <p:spPr>
           <a:xfrm>
-            <a:off x="7635240" y="5029200"/>
-            <a:ext cx="3932237" cy="1374648"/>
+            <a:off x="1524000" y="1828799"/>
+            <a:ext cx="9144000" cy="4191001"/>
           </a:xfrm>
-          <a:prstGeom prst="rect">
-            <a:avLst/>
-          </a:prstGeom>
         </p:spPr>
         <p:txBody>
-          <a:bodyPr>
-            <a:normAutofit/>
-          </a:bodyPr>
+          <a:bodyPr/>
           <a:lstStyle/>
           <a:p>
-            <a:pPr marL="285750" indent="-285750">
-              <a:buFont typeface="Arial" panose="020B0604020202020204" pitchFamily="34" charset="0"/>
-              <a:buChar char="•"/>
-            </a:pPr>
-            <a:r>
-              <a:rPr lang="en-US" dirty="0"/>
-              <a:t>Classification on tumor class (Benign or Malignant)</a:t>
-            </a:r>
-          </a:p>
-          <a:p>
-            <a:pPr marL="285750" indent="-285750">
-              <a:buFont typeface="Arial" panose="020B0604020202020204" pitchFamily="34" charset="0"/>
-              <a:buChar char="•"/>
-            </a:pPr>
-            <a:r>
-              <a:rPr lang="en-US" dirty="0"/>
-              <a:t>Decision Tree with Gini index as impurity measure. </a:t>
-            </a:r>
-          </a:p>
-          <a:p>
-            <a:endParaRPr lang="en-US" dirty="0"/>
+            <a:r>
+              <a:rPr lang="en-US" sz="3200" dirty="0"/>
+              <a:t>Methods used:</a:t>
+            </a:r>
+          </a:p>
+          <a:p>
+            <a:pPr lvl="1"/>
+            <a:r>
+              <a:rPr lang="en-US" sz="3000" dirty="0"/>
+              <a:t>Z-Score (Signed Standard Deviations)</a:t>
+            </a:r>
+          </a:p>
+          <a:p>
+            <a:pPr lvl="1"/>
+            <a:r>
+              <a:rPr lang="en-US" sz="3000" dirty="0"/>
+              <a:t>IQR (Interquartile Range)</a:t>
+            </a:r>
+          </a:p>
+          <a:p>
+            <a:r>
+              <a:rPr lang="en-US" sz="3200" dirty="0"/>
+              <a:t>IQR generally lowered recall scores by ~3-5%</a:t>
+            </a:r>
+          </a:p>
+          <a:p>
+            <a:pPr lvl="1"/>
+            <a:r>
+              <a:rPr lang="en-US" sz="3000" dirty="0"/>
+              <a:t>Slight exception with Naïve-Bayes Classifier</a:t>
+            </a:r>
+          </a:p>
+          <a:p>
+            <a:pPr lvl="1"/>
+            <a:r>
+              <a:rPr lang="en-US" sz="3000" dirty="0"/>
+              <a:t>Isolated into separate .</a:t>
+            </a:r>
+            <a:r>
+              <a:rPr lang="en-US" sz="3000" dirty="0" err="1"/>
+              <a:t>py</a:t>
+            </a:r>
+            <a:r>
+              <a:rPr lang="en-US" sz="3000" dirty="0"/>
+              <a:t> file</a:t>
+            </a:r>
+            <a:endParaRPr lang="en-US" sz="2600" dirty="0"/>
+          </a:p>
+          <a:p>
+            <a:pPr lvl="1"/>
+            <a:endParaRPr lang="en-US" sz="3000" dirty="0"/>
           </a:p>
         </p:txBody>
       </p:sp>
     </p:spTree>
     <p:extLst>
       <p:ext uri="{BB962C8B-B14F-4D97-AF65-F5344CB8AC3E}">
-        <p14:creationId xmlns:p14="http://schemas.microsoft.com/office/powerpoint/2010/main" val="226124680"/>
+        <p14:creationId xmlns:p14="http://schemas.microsoft.com/office/powerpoint/2010/main" val="368001397"/>
       </p:ext>
     </p:extLst>
   </p:cSld>
@@ -5427,23 +5953,6 @@
 <file path=ppt/slides/slide6.xml><?xml version="1.0" encoding="utf-8"?>
 <p:sld xmlns:a="http://schemas.openxmlformats.org/drawingml/2006/main" xmlns:r="http://schemas.openxmlformats.org/officeDocument/2006/relationships" xmlns:p="http://schemas.openxmlformats.org/presentationml/2006/main">
   <p:cSld>
-    <p:bg>
-      <p:bgPr>
-        <a:gradFill flip="none" rotWithShape="1">
-          <a:gsLst>
-            <a:gs pos="0">
-              <a:srgbClr val="D9D9D9"/>
-            </a:gs>
-            <a:gs pos="100000">
-              <a:schemeClr val="bg1"/>
-            </a:gs>
-          </a:gsLst>
-          <a:lin ang="16200000" scaled="1"/>
-          <a:tileRect/>
-        </a:gradFill>
-        <a:effectLst/>
-      </p:bgPr>
-    </p:bg>
     <p:spTree>
       <p:nvGrpSpPr>
         <p:cNvPr id="1" name=""/>
@@ -5460,7 +5969,13 @@
       </p:grpSpPr>
       <p:sp>
         <p:nvSpPr>
-          <p:cNvPr id="2" name="Title 1"/>
+          <p:cNvPr id="2" name="Title 1">
+            <a:extLst>
+              <a:ext uri="{FF2B5EF4-FFF2-40B4-BE49-F238E27FC236}">
+                <a16:creationId xmlns:a16="http://schemas.microsoft.com/office/drawing/2014/main" id="{F89ABFDA-B158-4287-AD6C-121193B3667F}"/>
+              </a:ext>
+            </a:extLst>
+          </p:cNvPr>
           <p:cNvSpPr>
             <a:spLocks noGrp="1"/>
           </p:cNvSpPr>
@@ -5468,41 +5983,33 @@
             <p:ph type="title"/>
           </p:nvPr>
         </p:nvSpPr>
-        <p:spPr>
-          <a:xfrm>
-            <a:off x="7635240" y="3200400"/>
-            <a:ext cx="3932237" cy="1752600"/>
-          </a:xfrm>
-          <a:prstGeom prst="rect">
-            <a:avLst/>
-          </a:prstGeom>
-        </p:spPr>
-        <p:txBody>
-          <a:bodyPr anchor="b">
-            <a:normAutofit/>
-          </a:bodyPr>
+        <p:spPr/>
+        <p:txBody>
+          <a:bodyPr/>
           <a:lstStyle/>
           <a:p>
             <a:r>
               <a:rPr lang="en-US" dirty="0"/>
-              <a:t>Data Mining Task</a:t>
+              <a:t>Outlier Detection and Removal Results</a:t>
             </a:r>
           </a:p>
         </p:txBody>
       </p:sp>
       <p:pic>
         <p:nvPicPr>
-          <p:cNvPr id="4098" name="Picture 2">
+          <p:cNvPr id="7" name="Content Placeholder 6">
             <a:extLst>
               <a:ext uri="{FF2B5EF4-FFF2-40B4-BE49-F238E27FC236}">
-                <a16:creationId xmlns:a16="http://schemas.microsoft.com/office/drawing/2014/main" id="{E69AFAFF-EAE8-479C-863B-88DA24F1C1B5}"/>
+                <a16:creationId xmlns:a16="http://schemas.microsoft.com/office/drawing/2014/main" id="{46BAE8E4-A568-4B78-B7EC-3612D941CF3D}"/>
               </a:ext>
             </a:extLst>
           </p:cNvPr>
           <p:cNvPicPr>
-            <a:picLocks noChangeAspect="1" noChangeArrowheads="1"/>
+            <a:picLocks noGrp="1" noChangeAspect="1"/>
           </p:cNvPicPr>
-          <p:nvPr/>
+          <p:nvPr>
+            <p:ph idx="1"/>
+          </p:nvPr>
         </p:nvPicPr>
         <p:blipFill>
           <a:blip r:embed="rId2">
@@ -5516,79 +6023,123 @@
             <a:fillRect/>
           </a:stretch>
         </p:blipFill>
-        <p:spPr bwMode="auto">
+        <p:spPr>
           <a:xfrm>
-            <a:off x="1" y="1092729"/>
-            <a:ext cx="7008810" cy="4672540"/>
+            <a:off x="1313747" y="2671991"/>
+            <a:ext cx="9564506" cy="1079516"/>
           </a:xfrm>
-          <a:prstGeom prst="rect">
-            <a:avLst/>
-          </a:prstGeom>
-          <a:solidFill>
-            <a:srgbClr val="FFFFFF"/>
-          </a:solidFill>
-          <a:extLst/>
         </p:spPr>
       </p:pic>
-      <p:sp>
-        <p:nvSpPr>
-          <p:cNvPr id="3" name="Content Placeholder 2">
+      <p:pic>
+        <p:nvPicPr>
+          <p:cNvPr id="9" name="Picture 8">
             <a:extLst>
               <a:ext uri="{FF2B5EF4-FFF2-40B4-BE49-F238E27FC236}">
-                <a16:creationId xmlns:a16="http://schemas.microsoft.com/office/drawing/2014/main" id="{03876035-297D-4768-835C-7854DBEFBDCD}"/>
+                <a16:creationId xmlns:a16="http://schemas.microsoft.com/office/drawing/2014/main" id="{14038FD0-9E04-45DC-ACFF-5C75B914B4D3}"/>
               </a:ext>
             </a:extLst>
           </p:cNvPr>
-          <p:cNvSpPr>
-            <a:spLocks noGrp="1"/>
-          </p:cNvSpPr>
-          <p:nvPr>
-            <p:ph type="body" sz="half" idx="2"/>
-          </p:nvPr>
-        </p:nvSpPr>
+          <p:cNvPicPr>
+            <a:picLocks noChangeAspect="1"/>
+          </p:cNvPicPr>
+          <p:nvPr/>
+        </p:nvPicPr>
+        <p:blipFill>
+          <a:blip r:embed="rId3">
+            <a:extLst>
+              <a:ext uri="{28A0092B-C50C-407E-A947-70E740481C1C}">
+                <a14:useLocalDpi xmlns:a14="http://schemas.microsoft.com/office/drawing/2010/main" val="0"/>
+              </a:ext>
+            </a:extLst>
+          </a:blip>
+          <a:stretch>
+            <a:fillRect/>
+          </a:stretch>
+        </p:blipFill>
         <p:spPr>
           <a:xfrm>
-            <a:off x="7635240" y="5029200"/>
-            <a:ext cx="3932237" cy="1374648"/>
+            <a:off x="1270443" y="4724400"/>
+            <a:ext cx="9607810" cy="1123973"/>
           </a:xfrm>
           <a:prstGeom prst="rect">
             <a:avLst/>
           </a:prstGeom>
         </p:spPr>
-        <p:txBody>
-          <a:bodyPr>
-            <a:normAutofit/>
+      </p:pic>
+      <p:sp>
+        <p:nvSpPr>
+          <p:cNvPr id="10" name="TextBox 9">
+            <a:extLst>
+              <a:ext uri="{FF2B5EF4-FFF2-40B4-BE49-F238E27FC236}">
+                <a16:creationId xmlns:a16="http://schemas.microsoft.com/office/drawing/2014/main" id="{E8B4925C-970C-4FDF-A1DC-D1614BDC46BD}"/>
+              </a:ext>
+            </a:extLst>
+          </p:cNvPr>
+          <p:cNvSpPr txBox="1"/>
+          <p:nvPr/>
+        </p:nvSpPr>
+        <p:spPr>
+          <a:xfrm>
+            <a:off x="1313747" y="2150259"/>
+            <a:ext cx="8839200" cy="369332"/>
+          </a:xfrm>
+          <a:prstGeom prst="rect">
+            <a:avLst/>
+          </a:prstGeom>
+          <a:noFill/>
+        </p:spPr>
+        <p:txBody>
+          <a:bodyPr wrap="square" rtlCol="0">
+            <a:spAutoFit/>
           </a:bodyPr>
           <a:lstStyle/>
           <a:p>
-            <a:pPr marL="285750" indent="-285750">
-              <a:buFont typeface="Arial" panose="020B0604020202020204" pitchFamily="34" charset="0"/>
-              <a:buChar char="•"/>
-            </a:pPr>
             <a:r>
               <a:rPr lang="en-US" dirty="0"/>
-              <a:t>Classification on tumor class (Benign or Malignant)</a:t>
-            </a:r>
-          </a:p>
-          <a:p>
-            <a:pPr marL="285750" indent="-285750">
-              <a:buFont typeface="Arial" panose="020B0604020202020204" pitchFamily="34" charset="0"/>
-              <a:buChar char="•"/>
-            </a:pPr>
+              <a:t>Recall scores before removal of outliers with IQR:</a:t>
+            </a:r>
+          </a:p>
+        </p:txBody>
+      </p:sp>
+      <p:sp>
+        <p:nvSpPr>
+          <p:cNvPr id="11" name="TextBox 10">
+            <a:extLst>
+              <a:ext uri="{FF2B5EF4-FFF2-40B4-BE49-F238E27FC236}">
+                <a16:creationId xmlns:a16="http://schemas.microsoft.com/office/drawing/2014/main" id="{9AA80E02-7ED3-46B9-8E53-BF07ECF47D2E}"/>
+              </a:ext>
+            </a:extLst>
+          </p:cNvPr>
+          <p:cNvSpPr txBox="1"/>
+          <p:nvPr/>
+        </p:nvSpPr>
+        <p:spPr>
+          <a:xfrm>
+            <a:off x="1313747" y="4191000"/>
+            <a:ext cx="5867400" cy="381000"/>
+          </a:xfrm>
+          <a:prstGeom prst="rect">
+            <a:avLst/>
+          </a:prstGeom>
+          <a:noFill/>
+        </p:spPr>
+        <p:txBody>
+          <a:bodyPr wrap="square" rtlCol="0">
+            <a:spAutoFit/>
+          </a:bodyPr>
+          <a:lstStyle/>
+          <a:p>
             <a:r>
               <a:rPr lang="en-US" dirty="0"/>
-              <a:t>K-Nearest Neighbor Classifier with Cosine distance. </a:t>
-            </a:r>
-          </a:p>
-          <a:p>
-            <a:endParaRPr lang="en-US" dirty="0"/>
+              <a:t>Recall scores after removal of outliers with IQR:</a:t>
+            </a:r>
           </a:p>
         </p:txBody>
       </p:sp>
     </p:spTree>
     <p:extLst>
       <p:ext uri="{BB962C8B-B14F-4D97-AF65-F5344CB8AC3E}">
-        <p14:creationId xmlns:p14="http://schemas.microsoft.com/office/powerpoint/2010/main" val="1027955780"/>
+        <p14:creationId xmlns:p14="http://schemas.microsoft.com/office/powerpoint/2010/main" val="2414267784"/>
       </p:ext>
     </p:extLst>
   </p:cSld>
@@ -5656,7 +6207,7 @@
         </p:nvSpPr>
         <p:spPr>
           <a:xfrm>
-            <a:off x="7635240" y="3200400"/>
+            <a:off x="7635239" y="2552699"/>
             <a:ext cx="3932237" cy="1752600"/>
           </a:xfrm>
           <a:prstGeom prst="rect">
@@ -5678,10 +6229,10 @@
       </p:sp>
       <p:pic>
         <p:nvPicPr>
-          <p:cNvPr id="5122" name="Picture 2">
+          <p:cNvPr id="2050" name="Picture 2">
             <a:extLst>
               <a:ext uri="{FF2B5EF4-FFF2-40B4-BE49-F238E27FC236}">
-                <a16:creationId xmlns:a16="http://schemas.microsoft.com/office/drawing/2014/main" id="{AE7FD47E-7B48-44C4-9DB1-6C50260BA729}"/>
+                <a16:creationId xmlns:a16="http://schemas.microsoft.com/office/drawing/2014/main" id="{EDDDC8F5-A1A3-44BC-92AC-098368916A1C}"/>
               </a:ext>
             </a:extLst>
           </p:cNvPr>
@@ -5713,7 +6264,6 @@
           <a:solidFill>
             <a:srgbClr val="FFFFFF"/>
           </a:solidFill>
-          <a:extLst/>
         </p:spPr>
       </p:pic>
       <p:sp>
@@ -5734,8 +6284,8 @@
         </p:nvSpPr>
         <p:spPr>
           <a:xfrm>
-            <a:off x="7635240" y="5029200"/>
-            <a:ext cx="3932237" cy="1374648"/>
+            <a:off x="7635240" y="4495800"/>
+            <a:ext cx="3932237" cy="1908048"/>
           </a:xfrm>
           <a:prstGeom prst="rect">
             <a:avLst/>
@@ -5763,7 +6313,17 @@
             </a:pPr>
             <a:r>
               <a:rPr lang="en-US" dirty="0"/>
-              <a:t>K-Nearest Neighbor Classifier with Euclidean distance. </a:t>
+              <a:t>Decision Tree with entropy as impurity measure. </a:t>
+            </a:r>
+          </a:p>
+          <a:p>
+            <a:pPr marL="285750" indent="-285750">
+              <a:buFont typeface="Arial" panose="020B0604020202020204" pitchFamily="34" charset="0"/>
+              <a:buChar char="•"/>
+            </a:pPr>
+            <a:r>
+              <a:rPr lang="en-US" dirty="0"/>
+              <a:t>10-fold cross validation</a:t>
             </a:r>
           </a:p>
           <a:p>
@@ -5774,7 +6334,7 @@
     </p:spTree>
     <p:extLst>
       <p:ext uri="{BB962C8B-B14F-4D97-AF65-F5344CB8AC3E}">
-        <p14:creationId xmlns:p14="http://schemas.microsoft.com/office/powerpoint/2010/main" val="2407479017"/>
+        <p14:creationId xmlns:p14="http://schemas.microsoft.com/office/powerpoint/2010/main" val="1928620899"/>
       </p:ext>
     </p:extLst>
   </p:cSld>
@@ -5842,7 +6402,7 @@
         </p:nvSpPr>
         <p:spPr>
           <a:xfrm>
-            <a:off x="7635240" y="3200400"/>
+            <a:off x="7635240" y="2552699"/>
             <a:ext cx="3932237" cy="1752600"/>
           </a:xfrm>
           <a:prstGeom prst="rect">
@@ -5864,10 +6424,10 @@
       </p:sp>
       <p:pic>
         <p:nvPicPr>
-          <p:cNvPr id="6146" name="Picture 2">
+          <p:cNvPr id="3074" name="Picture 2">
             <a:extLst>
               <a:ext uri="{FF2B5EF4-FFF2-40B4-BE49-F238E27FC236}">
-                <a16:creationId xmlns:a16="http://schemas.microsoft.com/office/drawing/2014/main" id="{0744CA0A-F76D-4B3F-BD5D-28CA952768A7}"/>
+                <a16:creationId xmlns:a16="http://schemas.microsoft.com/office/drawing/2014/main" id="{00241109-17EB-40B2-A778-521BBD9B5CBC}"/>
               </a:ext>
             </a:extLst>
           </p:cNvPr>
@@ -5926,8 +6486,8 @@
         </p:nvSpPr>
         <p:spPr>
           <a:xfrm>
-            <a:off x="7635240" y="5029200"/>
-            <a:ext cx="3932237" cy="1374648"/>
+            <a:off x="7635240" y="4724400"/>
+            <a:ext cx="3932237" cy="1679448"/>
           </a:xfrm>
           <a:prstGeom prst="rect">
             <a:avLst/>
@@ -5955,7 +6515,17 @@
             </a:pPr>
             <a:r>
               <a:rPr lang="en-US" dirty="0"/>
-              <a:t>K-Nearest Neighbor Classifier with Manhattan distance. </a:t>
+              <a:t>Decision Tree with Gini index as impurity measure. </a:t>
+            </a:r>
+          </a:p>
+          <a:p>
+            <a:pPr marL="285750" indent="-285750">
+              <a:buFont typeface="Arial" panose="020B0604020202020204" pitchFamily="34" charset="0"/>
+              <a:buChar char="•"/>
+            </a:pPr>
+            <a:r>
+              <a:rPr lang="en-US" dirty="0"/>
+              <a:t>10-fold cross validation</a:t>
             </a:r>
           </a:p>
           <a:p>
@@ -5966,7 +6536,7 @@
     </p:spTree>
     <p:extLst>
       <p:ext uri="{BB962C8B-B14F-4D97-AF65-F5344CB8AC3E}">
-        <p14:creationId xmlns:p14="http://schemas.microsoft.com/office/powerpoint/2010/main" val="2651682320"/>
+        <p14:creationId xmlns:p14="http://schemas.microsoft.com/office/powerpoint/2010/main" val="226124680"/>
       </p:ext>
     </p:extLst>
   </p:cSld>
@@ -6024,38 +6594,144 @@
       </p:grpSpPr>
       <p:sp>
         <p:nvSpPr>
-          <p:cNvPr id="9" name="Title 1">
+          <p:cNvPr id="2" name="Title 1"/>
+          <p:cNvSpPr>
+            <a:spLocks noGrp="1"/>
+          </p:cNvSpPr>
+          <p:nvPr>
+            <p:ph type="title"/>
+          </p:nvPr>
+        </p:nvSpPr>
+        <p:spPr>
+          <a:xfrm>
+            <a:off x="7630959" y="2552699"/>
+            <a:ext cx="3932237" cy="1752600"/>
+          </a:xfrm>
+          <a:prstGeom prst="rect">
+            <a:avLst/>
+          </a:prstGeom>
+        </p:spPr>
+        <p:txBody>
+          <a:bodyPr anchor="b">
+            <a:normAutofit/>
+          </a:bodyPr>
+          <a:lstStyle/>
+          <a:p>
+            <a:r>
+              <a:rPr lang="en-US" dirty="0"/>
+              <a:t>Data Mining Task</a:t>
+            </a:r>
+          </a:p>
+        </p:txBody>
+      </p:sp>
+      <p:pic>
+        <p:nvPicPr>
+          <p:cNvPr id="4098" name="Picture 2">
             <a:extLst>
               <a:ext uri="{FF2B5EF4-FFF2-40B4-BE49-F238E27FC236}">
-                <a16:creationId xmlns:a16="http://schemas.microsoft.com/office/drawing/2014/main" id="{5A63DB93-0743-4208-9A61-FECF0FDE008E}"/>
+                <a16:creationId xmlns:a16="http://schemas.microsoft.com/office/drawing/2014/main" id="{E69AFAFF-EAE8-479C-863B-88DA24F1C1B5}"/>
               </a:ext>
             </a:extLst>
           </p:cNvPr>
-          <p:cNvSpPr>
-            <a:spLocks noGrp="1"/>
-          </p:cNvSpPr>
-          <p:nvPr>
-            <p:ph type="title"/>
+          <p:cNvPicPr>
+            <a:picLocks noChangeAspect="1" noChangeArrowheads="1"/>
+          </p:cNvPicPr>
+          <p:nvPr/>
+        </p:nvPicPr>
+        <p:blipFill>
+          <a:blip r:embed="rId2">
+            <a:extLst>
+              <a:ext uri="{28A0092B-C50C-407E-A947-70E740481C1C}">
+                <a14:useLocalDpi xmlns:a14="http://schemas.microsoft.com/office/drawing/2010/main" val="0"/>
+              </a:ext>
+            </a:extLst>
+          </a:blip>
+          <a:stretch>
+            <a:fillRect/>
+          </a:stretch>
+        </p:blipFill>
+        <p:spPr bwMode="auto">
+          <a:xfrm>
+            <a:off x="1" y="1092729"/>
+            <a:ext cx="7008810" cy="4672540"/>
+          </a:xfrm>
+          <a:prstGeom prst="rect">
+            <a:avLst/>
+          </a:prstGeom>
+          <a:solidFill>
+            <a:srgbClr val="FFFFFF"/>
+          </a:solidFill>
+        </p:spPr>
+      </p:pic>
+      <p:sp>
+        <p:nvSpPr>
+          <p:cNvPr id="3" name="Content Placeholder 2">
+            <a:extLst>
+              <a:ext uri="{FF2B5EF4-FFF2-40B4-BE49-F238E27FC236}">
+                <a16:creationId xmlns:a16="http://schemas.microsoft.com/office/drawing/2014/main" id="{03876035-297D-4768-835C-7854DBEFBDCD}"/>
+              </a:ext>
+            </a:extLst>
+          </p:cNvPr>
+          <p:cNvSpPr>
+            <a:spLocks noGrp="1"/>
+          </p:cNvSpPr>
+          <p:nvPr>
+            <p:ph type="body" sz="half" idx="2"/>
           </p:nvPr>
         </p:nvSpPr>
         <p:spPr>
           <a:xfrm>
-            <a:off x="1066800" y="99220"/>
-            <a:ext cx="10058400" cy="1325563"/>
+            <a:off x="7635240" y="4651248"/>
+            <a:ext cx="3932237" cy="1752600"/>
           </a:xfrm>
+          <a:prstGeom prst="rect">
+            <a:avLst/>
+          </a:prstGeom>
         </p:spPr>
         <p:txBody>
-          <a:bodyPr/>
+          <a:bodyPr>
+            <a:normAutofit/>
+          </a:bodyPr>
           <a:lstStyle/>
           <a:p>
-            <a:endParaRPr lang="en-US"/>
+            <a:pPr marL="285750" indent="-285750">
+              <a:buFont typeface="Arial" panose="020B0604020202020204" pitchFamily="34" charset="0"/>
+              <a:buChar char="•"/>
+            </a:pPr>
+            <a:r>
+              <a:rPr lang="en-US" dirty="0"/>
+              <a:t>Classification on tumor class (Benign or Malignant)</a:t>
+            </a:r>
+          </a:p>
+          <a:p>
+            <a:pPr marL="285750" indent="-285750">
+              <a:buFont typeface="Arial" panose="020B0604020202020204" pitchFamily="34" charset="0"/>
+              <a:buChar char="•"/>
+            </a:pPr>
+            <a:r>
+              <a:rPr lang="en-US" dirty="0"/>
+              <a:t>K-Nearest Neighbor Classifier with Cosine distance. </a:t>
+            </a:r>
+          </a:p>
+          <a:p>
+            <a:pPr marL="285750" indent="-285750">
+              <a:buFont typeface="Arial" panose="020B0604020202020204" pitchFamily="34" charset="0"/>
+              <a:buChar char="•"/>
+            </a:pPr>
+            <a:r>
+              <a:rPr lang="en-US" dirty="0"/>
+              <a:t>10-fold cross validation</a:t>
+            </a:r>
+          </a:p>
+          <a:p>
+            <a:endParaRPr lang="en-US" dirty="0"/>
           </a:p>
         </p:txBody>
       </p:sp>
     </p:spTree>
     <p:extLst>
       <p:ext uri="{BB962C8B-B14F-4D97-AF65-F5344CB8AC3E}">
-        <p14:creationId xmlns:p14="http://schemas.microsoft.com/office/powerpoint/2010/main" val="3135647896"/>
+        <p14:creationId xmlns:p14="http://schemas.microsoft.com/office/powerpoint/2010/main" val="1027955780"/>
       </p:ext>
     </p:extLst>
   </p:cSld>
